--- a/documentum/건축심화세미나(2022)/20220801_AISC Chapter F Flexure/class structure diagram.pptx
+++ b/documentum/건축심화세미나(2022)/20220801_AISC Chapter F Flexure/class structure diagram.pptx
@@ -7,6 +7,7 @@
   <p:sldIdLst>
     <p:sldId id="256" r:id="rId2"/>
     <p:sldId id="258" r:id="rId3"/>
+    <p:sldId id="259" r:id="rId4"/>
   </p:sldIdLst>
   <p:sldSz cx="12192000" cy="6858000"/>
   <p:notesSz cx="6858000" cy="9144000"/>
@@ -105,6 +106,11 @@
       </a:defRPr>
     </a:lvl9pPr>
   </p:defaultTextStyle>
+  <p:extLst>
+    <p:ext uri="{EFAFB233-063F-42B5-8137-9DF3F51BA10A}">
+      <p15:sldGuideLst xmlns:p15="http://schemas.microsoft.com/office/powerpoint/2012/main"/>
+    </p:ext>
+  </p:extLst>
 </p:presentation>
 </file>
 
@@ -239,7 +245,7 @@
           <a:p>
             <a:fld id="{DCC5FADC-ABE8-4F6B-8FF3-600ECBADAF4F}" type="datetimeFigureOut">
               <a:rPr lang="ko-KR" altLang="en-US" smtClean="0"/>
-              <a:t>2022-09-07</a:t>
+              <a:t>2022-09-21</a:t>
             </a:fld>
             <a:endParaRPr lang="ko-KR" altLang="en-US"/>
           </a:p>
@@ -409,7 +415,7 @@
           <a:p>
             <a:fld id="{DCC5FADC-ABE8-4F6B-8FF3-600ECBADAF4F}" type="datetimeFigureOut">
               <a:rPr lang="ko-KR" altLang="en-US" smtClean="0"/>
-              <a:t>2022-09-07</a:t>
+              <a:t>2022-09-21</a:t>
             </a:fld>
             <a:endParaRPr lang="ko-KR" altLang="en-US"/>
           </a:p>
@@ -589,7 +595,7 @@
           <a:p>
             <a:fld id="{DCC5FADC-ABE8-4F6B-8FF3-600ECBADAF4F}" type="datetimeFigureOut">
               <a:rPr lang="ko-KR" altLang="en-US" smtClean="0"/>
-              <a:t>2022-09-07</a:t>
+              <a:t>2022-09-21</a:t>
             </a:fld>
             <a:endParaRPr lang="ko-KR" altLang="en-US"/>
           </a:p>
@@ -759,7 +765,7 @@
           <a:p>
             <a:fld id="{DCC5FADC-ABE8-4F6B-8FF3-600ECBADAF4F}" type="datetimeFigureOut">
               <a:rPr lang="ko-KR" altLang="en-US" smtClean="0"/>
-              <a:t>2022-09-07</a:t>
+              <a:t>2022-09-21</a:t>
             </a:fld>
             <a:endParaRPr lang="ko-KR" altLang="en-US"/>
           </a:p>
@@ -1005,7 +1011,7 @@
           <a:p>
             <a:fld id="{DCC5FADC-ABE8-4F6B-8FF3-600ECBADAF4F}" type="datetimeFigureOut">
               <a:rPr lang="ko-KR" altLang="en-US" smtClean="0"/>
-              <a:t>2022-09-07</a:t>
+              <a:t>2022-09-21</a:t>
             </a:fld>
             <a:endParaRPr lang="ko-KR" altLang="en-US"/>
           </a:p>
@@ -1237,7 +1243,7 @@
           <a:p>
             <a:fld id="{DCC5FADC-ABE8-4F6B-8FF3-600ECBADAF4F}" type="datetimeFigureOut">
               <a:rPr lang="ko-KR" altLang="en-US" smtClean="0"/>
-              <a:t>2022-09-07</a:t>
+              <a:t>2022-09-21</a:t>
             </a:fld>
             <a:endParaRPr lang="ko-KR" altLang="en-US"/>
           </a:p>
@@ -1604,7 +1610,7 @@
           <a:p>
             <a:fld id="{DCC5FADC-ABE8-4F6B-8FF3-600ECBADAF4F}" type="datetimeFigureOut">
               <a:rPr lang="ko-KR" altLang="en-US" smtClean="0"/>
-              <a:t>2022-09-07</a:t>
+              <a:t>2022-09-21</a:t>
             </a:fld>
             <a:endParaRPr lang="ko-KR" altLang="en-US"/>
           </a:p>
@@ -1722,7 +1728,7 @@
           <a:p>
             <a:fld id="{DCC5FADC-ABE8-4F6B-8FF3-600ECBADAF4F}" type="datetimeFigureOut">
               <a:rPr lang="ko-KR" altLang="en-US" smtClean="0"/>
-              <a:t>2022-09-07</a:t>
+              <a:t>2022-09-21</a:t>
             </a:fld>
             <a:endParaRPr lang="ko-KR" altLang="en-US"/>
           </a:p>
@@ -1817,7 +1823,7 @@
           <a:p>
             <a:fld id="{DCC5FADC-ABE8-4F6B-8FF3-600ECBADAF4F}" type="datetimeFigureOut">
               <a:rPr lang="ko-KR" altLang="en-US" smtClean="0"/>
-              <a:t>2022-09-07</a:t>
+              <a:t>2022-09-21</a:t>
             </a:fld>
             <a:endParaRPr lang="ko-KR" altLang="en-US"/>
           </a:p>
@@ -2094,7 +2100,7 @@
           <a:p>
             <a:fld id="{DCC5FADC-ABE8-4F6B-8FF3-600ECBADAF4F}" type="datetimeFigureOut">
               <a:rPr lang="ko-KR" altLang="en-US" smtClean="0"/>
-              <a:t>2022-09-07</a:t>
+              <a:t>2022-09-21</a:t>
             </a:fld>
             <a:endParaRPr lang="ko-KR" altLang="en-US"/>
           </a:p>
@@ -2347,7 +2353,7 @@
           <a:p>
             <a:fld id="{DCC5FADC-ABE8-4F6B-8FF3-600ECBADAF4F}" type="datetimeFigureOut">
               <a:rPr lang="ko-KR" altLang="en-US" smtClean="0"/>
-              <a:t>2022-09-07</a:t>
+              <a:t>2022-09-21</a:t>
             </a:fld>
             <a:endParaRPr lang="ko-KR" altLang="en-US"/>
           </a:p>
@@ -2560,7 +2566,7 @@
           <a:p>
             <a:fld id="{DCC5FADC-ABE8-4F6B-8FF3-600ECBADAF4F}" type="datetimeFigureOut">
               <a:rPr lang="ko-KR" altLang="en-US" smtClean="0"/>
-              <a:t>2022-09-07</a:t>
+              <a:t>2022-09-21</a:t>
             </a:fld>
             <a:endParaRPr lang="ko-KR" altLang="en-US"/>
           </a:p>
@@ -4111,7 +4117,7 @@
         </p:nvSpPr>
         <p:spPr>
           <a:xfrm>
-            <a:off x="603473" y="2274437"/>
+            <a:off x="603473" y="5838599"/>
             <a:ext cx="3442279" cy="276999"/>
           </a:xfrm>
           <a:prstGeom prst="rect">
@@ -4158,17 +4164,18 @@
           <p:nvPr/>
         </p:nvCxnSpPr>
         <p:spPr>
-          <a:xfrm>
-            <a:off x="1125287" y="2551436"/>
-            <a:ext cx="0" cy="2033264"/>
+          <a:xfrm flipV="1">
+            <a:off x="1125287" y="4584700"/>
+            <a:ext cx="0" cy="1253899"/>
           </a:xfrm>
           <a:prstGeom prst="straightConnector1">
             <a:avLst/>
           </a:prstGeom>
           <a:ln>
             <a:solidFill>
-              <a:srgbClr val="FF0000"/>
+              <a:srgbClr val="FFC000"/>
             </a:solidFill>
+            <a:prstDash val="dash"/>
             <a:headEnd type="oval"/>
             <a:tailEnd type="triangle"/>
           </a:ln>
@@ -4461,7 +4468,7 @@
         </p:nvSpPr>
         <p:spPr>
           <a:xfrm>
-            <a:off x="761085" y="2657764"/>
+            <a:off x="761085" y="5555725"/>
             <a:ext cx="364202" cy="200055"/>
           </a:xfrm>
           <a:prstGeom prst="rect">
@@ -4690,6 +4697,39 @@
               <a:srgbClr val="B4B577"/>
             </a:solidFill>
             <a:prstDash val="sysDash"/>
+          </a:ln>
+        </p:spPr>
+        <p:style>
+          <a:lnRef idx="1">
+            <a:schemeClr val="accent1"/>
+          </a:lnRef>
+          <a:fillRef idx="0">
+            <a:schemeClr val="accent1"/>
+          </a:fillRef>
+          <a:effectRef idx="0">
+            <a:schemeClr val="accent1"/>
+          </a:effectRef>
+          <a:fontRef idx="minor">
+            <a:schemeClr val="tx1"/>
+          </a:fontRef>
+        </p:style>
+      </p:cxnSp>
+      <p:cxnSp>
+        <p:nvCxnSpPr>
+          <p:cNvPr id="39" name="구부러진 연결선 38"/>
+          <p:cNvCxnSpPr/>
+          <p:nvPr/>
+        </p:nvCxnSpPr>
+        <p:spPr>
+          <a:xfrm rot="5400000">
+            <a:off x="7063534" y="3841930"/>
+            <a:ext cx="619951" cy="501627"/>
+          </a:xfrm>
+          <a:prstGeom prst="curvedConnector3">
+            <a:avLst/>
+          </a:prstGeom>
+          <a:ln>
+            <a:tailEnd type="triangle"/>
           </a:ln>
         </p:spPr>
         <p:style>
@@ -4745,7 +4785,7 @@
         </p:nvSpPr>
         <p:spPr>
           <a:xfrm>
-            <a:off x="3796427" y="143380"/>
+            <a:off x="4079474" y="143380"/>
             <a:ext cx="1211752" cy="1005635"/>
           </a:xfrm>
           <a:prstGeom prst="rect">
@@ -4813,7 +4853,7 @@
         </p:nvSpPr>
         <p:spPr>
           <a:xfrm>
-            <a:off x="3796425" y="1149015"/>
+            <a:off x="4079472" y="1149015"/>
             <a:ext cx="1211753" cy="276999"/>
           </a:xfrm>
           <a:prstGeom prst="rect">
@@ -4849,7 +4889,7 @@
         </p:nvSpPr>
         <p:spPr>
           <a:xfrm>
-            <a:off x="5005391" y="420378"/>
+            <a:off x="5288438" y="420378"/>
             <a:ext cx="210888" cy="1005636"/>
           </a:xfrm>
           <a:prstGeom prst="rect">
@@ -4881,7 +4921,7 @@
         </p:nvSpPr>
         <p:spPr>
           <a:xfrm>
-            <a:off x="5399707" y="1149014"/>
+            <a:off x="5682754" y="1149014"/>
             <a:ext cx="1502402" cy="276999"/>
           </a:xfrm>
           <a:prstGeom prst="rect">
@@ -4917,7 +4957,7 @@
         </p:nvSpPr>
         <p:spPr>
           <a:xfrm>
-            <a:off x="3796424" y="1511738"/>
+            <a:off x="4079471" y="1511738"/>
             <a:ext cx="3467642" cy="461665"/>
           </a:xfrm>
           <a:prstGeom prst="rect">
@@ -4976,7 +5016,7 @@
         </p:nvSpPr>
         <p:spPr>
           <a:xfrm>
-            <a:off x="6984479" y="506103"/>
+            <a:off x="7267526" y="506103"/>
             <a:ext cx="279587" cy="1005634"/>
           </a:xfrm>
           <a:prstGeom prst="rect">
@@ -5008,7 +5048,7 @@
         </p:nvSpPr>
         <p:spPr>
           <a:xfrm>
-            <a:off x="3796422" y="2053176"/>
+            <a:off x="4079469" y="2053176"/>
             <a:ext cx="3620043" cy="461665"/>
           </a:xfrm>
           <a:prstGeom prst="rect">
@@ -5068,7 +5108,7 @@
         </p:nvSpPr>
         <p:spPr>
           <a:xfrm>
-            <a:off x="7346436" y="1148382"/>
+            <a:off x="7629483" y="1148382"/>
             <a:ext cx="238163" cy="1366458"/>
           </a:xfrm>
           <a:prstGeom prst="rect">
@@ -5117,7 +5157,7 @@
         </p:nvSpPr>
         <p:spPr>
           <a:xfrm>
-            <a:off x="970302" y="5159905"/>
+            <a:off x="2048331" y="3926017"/>
             <a:ext cx="1533017" cy="646331"/>
           </a:xfrm>
           <a:prstGeom prst="rect">
@@ -5165,7 +5205,7 @@
         </p:nvSpPr>
         <p:spPr>
           <a:xfrm>
-            <a:off x="970302" y="5892863"/>
+            <a:off x="2048331" y="4658975"/>
             <a:ext cx="1941473" cy="276999"/>
           </a:xfrm>
           <a:prstGeom prst="rect">
@@ -5201,7 +5241,7 @@
         </p:nvSpPr>
         <p:spPr>
           <a:xfrm>
-            <a:off x="2911776" y="4658328"/>
+            <a:off x="3989805" y="3424440"/>
             <a:ext cx="238163" cy="1511534"/>
           </a:xfrm>
           <a:prstGeom prst="rect">
@@ -5250,7 +5290,7 @@
         </p:nvSpPr>
         <p:spPr>
           <a:xfrm>
-            <a:off x="921424" y="3214230"/>
+            <a:off x="2048331" y="5937502"/>
             <a:ext cx="3442279" cy="276999"/>
           </a:xfrm>
           <a:prstGeom prst="rect">
@@ -5263,9 +5303,7 @@
             </a:schemeClr>
           </a:solidFill>
           <a:ln>
-            <a:solidFill>
-              <a:schemeClr val="tx1"/>
-            </a:solidFill>
+            <a:noFill/>
           </a:ln>
         </p:spPr>
         <p:txBody>
@@ -5297,17 +5335,18 @@
           <p:nvPr/>
         </p:nvCxnSpPr>
         <p:spPr>
-          <a:xfrm>
-            <a:off x="2578100" y="3606800"/>
-            <a:ext cx="242102" cy="2199436"/>
+          <a:xfrm flipV="1">
+            <a:off x="3898230" y="4935974"/>
+            <a:ext cx="329738" cy="909599"/>
           </a:xfrm>
           <a:prstGeom prst="straightConnector1">
             <a:avLst/>
           </a:prstGeom>
           <a:ln>
             <a:solidFill>
-              <a:srgbClr val="FF0000"/>
+              <a:srgbClr val="FFC000"/>
             </a:solidFill>
+            <a:prstDash val="dash"/>
             <a:headEnd type="oval"/>
             <a:tailEnd type="triangle"/>
           </a:ln>
@@ -5335,7 +5374,7 @@
         </p:nvSpPr>
         <p:spPr>
           <a:xfrm>
-            <a:off x="1778515" y="3514163"/>
+            <a:off x="3534028" y="5678823"/>
             <a:ext cx="364202" cy="200055"/>
           </a:xfrm>
           <a:prstGeom prst="rect">
@@ -5373,7 +5412,7 @@
         </p:nvSpPr>
         <p:spPr>
           <a:xfrm>
-            <a:off x="3796422" y="5892863"/>
+            <a:off x="4874451" y="4658975"/>
             <a:ext cx="1941473" cy="276999"/>
           </a:xfrm>
           <a:prstGeom prst="rect">
@@ -5409,7 +5448,7 @@
         </p:nvSpPr>
         <p:spPr>
           <a:xfrm>
-            <a:off x="5737896" y="4658328"/>
+            <a:off x="6815925" y="3424440"/>
             <a:ext cx="238163" cy="1511534"/>
           </a:xfrm>
           <a:prstGeom prst="rect">
@@ -5458,7 +5497,7 @@
         </p:nvSpPr>
         <p:spPr>
           <a:xfrm>
-            <a:off x="6622542" y="5892863"/>
+            <a:off x="7700571" y="4658975"/>
             <a:ext cx="1941473" cy="276999"/>
           </a:xfrm>
           <a:prstGeom prst="rect">
@@ -5494,7 +5533,7 @@
         </p:nvSpPr>
         <p:spPr>
           <a:xfrm>
-            <a:off x="8564016" y="4658328"/>
+            <a:off x="9642045" y="3424440"/>
             <a:ext cx="238163" cy="1511534"/>
           </a:xfrm>
           <a:prstGeom prst="rect">
@@ -5538,21 +5577,24 @@
       <p:cxnSp>
         <p:nvCxnSpPr>
           <p:cNvPr id="38" name="직선 화살표 연결선 37"/>
-          <p:cNvCxnSpPr/>
+          <p:cNvCxnSpPr>
+            <a:endCxn id="34" idx="2"/>
+          </p:cNvCxnSpPr>
           <p:nvPr/>
         </p:nvCxnSpPr>
         <p:spPr>
-          <a:xfrm>
-            <a:off x="2578100" y="3606800"/>
-            <a:ext cx="3028343" cy="2199436"/>
+          <a:xfrm flipV="1">
+            <a:off x="3898231" y="4935974"/>
+            <a:ext cx="3036776" cy="909599"/>
           </a:xfrm>
           <a:prstGeom prst="straightConnector1">
             <a:avLst/>
           </a:prstGeom>
           <a:ln>
             <a:solidFill>
-              <a:srgbClr val="FF0000"/>
+              <a:srgbClr val="FFC000"/>
             </a:solidFill>
+            <a:prstDash val="dash"/>
             <a:headEnd type="oval"/>
             <a:tailEnd type="triangle"/>
           </a:ln>
@@ -5575,21 +5617,24 @@
       <p:cxnSp>
         <p:nvCxnSpPr>
           <p:cNvPr id="40" name="직선 화살표 연결선 39"/>
-          <p:cNvCxnSpPr/>
+          <p:cNvCxnSpPr>
+            <a:endCxn id="36" idx="2"/>
+          </p:cNvCxnSpPr>
           <p:nvPr/>
         </p:nvCxnSpPr>
         <p:spPr>
-          <a:xfrm>
-            <a:off x="2578100" y="3606800"/>
-            <a:ext cx="5853631" cy="2129857"/>
+          <a:xfrm flipV="1">
+            <a:off x="3898231" y="4935974"/>
+            <a:ext cx="5862896" cy="909599"/>
           </a:xfrm>
           <a:prstGeom prst="straightConnector1">
             <a:avLst/>
           </a:prstGeom>
           <a:ln>
             <a:solidFill>
-              <a:srgbClr val="FF0000"/>
+              <a:srgbClr val="FFC000"/>
             </a:solidFill>
+            <a:prstDash val="dash"/>
             <a:headEnd type="oval"/>
             <a:tailEnd type="triangle"/>
           </a:ln>
@@ -5617,7 +5662,7 @@
         </p:nvSpPr>
         <p:spPr>
           <a:xfrm>
-            <a:off x="3796074" y="5159905"/>
+            <a:off x="4874103" y="3926017"/>
             <a:ext cx="1533017" cy="461665"/>
           </a:xfrm>
           <a:prstGeom prst="rect">
@@ -5658,11 +5703,7 @@
             </a:r>
             <a:r>
               <a:rPr lang="en-US" altLang="ko-KR" sz="1200" dirty="0" smtClean="0"/>
-              <a:t>ompression</a:t>
-            </a:r>
-            <a:r>
-              <a:rPr lang="en-US" altLang="ko-KR" sz="1200" dirty="0" smtClean="0"/>
-              <a:t>)</a:t>
+              <a:t>ompression)</a:t>
             </a:r>
             <a:endParaRPr lang="ko-KR" altLang="en-US" sz="1200" dirty="0"/>
           </a:p>
@@ -5676,7 +5717,7 @@
         </p:nvSpPr>
         <p:spPr>
           <a:xfrm>
-            <a:off x="6622542" y="5159905"/>
+            <a:off x="7700571" y="3926017"/>
             <a:ext cx="1533017" cy="461665"/>
           </a:xfrm>
           <a:prstGeom prst="rect">
@@ -5723,7 +5764,7 @@
         </p:nvSpPr>
         <p:spPr>
           <a:xfrm>
-            <a:off x="976885" y="4958276"/>
+            <a:off x="2054914" y="3724388"/>
             <a:ext cx="1205492" cy="191739"/>
           </a:xfrm>
           <a:prstGeom prst="rect">
@@ -5790,7 +5831,7 @@
         </p:nvSpPr>
         <p:spPr>
           <a:xfrm>
-            <a:off x="3796074" y="4958276"/>
+            <a:off x="4874103" y="3724388"/>
             <a:ext cx="1205492" cy="191739"/>
           </a:xfrm>
           <a:prstGeom prst="rect">
@@ -5857,7 +5898,7 @@
         </p:nvSpPr>
         <p:spPr>
           <a:xfrm>
-            <a:off x="6622542" y="4958276"/>
+            <a:off x="7700571" y="3724388"/>
             <a:ext cx="1205492" cy="191739"/>
           </a:xfrm>
           <a:prstGeom prst="rect">
@@ -5924,7 +5965,7 @@
         </p:nvCxnSpPr>
         <p:spPr>
           <a:xfrm>
-            <a:off x="2182377" y="5892863"/>
+            <a:off x="3260406" y="4658975"/>
             <a:ext cx="637825" cy="0"/>
           </a:xfrm>
           <a:prstGeom prst="line">
@@ -5960,7 +6001,7 @@
         </p:nvCxnSpPr>
         <p:spPr>
           <a:xfrm>
-            <a:off x="4969781" y="5890088"/>
+            <a:off x="6047810" y="4656200"/>
             <a:ext cx="637825" cy="0"/>
           </a:xfrm>
           <a:prstGeom prst="line">
@@ -5996,7 +6037,7 @@
         </p:nvCxnSpPr>
         <p:spPr>
           <a:xfrm>
-            <a:off x="7836646" y="5890088"/>
+            <a:off x="8914675" y="4656200"/>
             <a:ext cx="637825" cy="0"/>
           </a:xfrm>
           <a:prstGeom prst="line">
@@ -6032,7 +6073,7 @@
         </p:nvCxnSpPr>
         <p:spPr>
           <a:xfrm>
-            <a:off x="3796422" y="2514840"/>
+            <a:off x="4079469" y="2514840"/>
             <a:ext cx="3788177" cy="0"/>
           </a:xfrm>
           <a:prstGeom prst="line">
@@ -6068,7 +6109,7 @@
         </p:nvCxnSpPr>
         <p:spPr>
           <a:xfrm>
-            <a:off x="970302" y="5892863"/>
+            <a:off x="2048331" y="4658975"/>
             <a:ext cx="637825" cy="0"/>
           </a:xfrm>
           <a:prstGeom prst="line">
@@ -6104,7 +6145,7 @@
         </p:nvCxnSpPr>
         <p:spPr>
           <a:xfrm>
-            <a:off x="3796074" y="5892863"/>
+            <a:off x="4874103" y="4658975"/>
             <a:ext cx="637825" cy="0"/>
           </a:xfrm>
           <a:prstGeom prst="line">
@@ -6140,7 +6181,7 @@
         </p:nvCxnSpPr>
         <p:spPr>
           <a:xfrm>
-            <a:off x="6626241" y="5892863"/>
+            <a:off x="7704270" y="4658975"/>
             <a:ext cx="637825" cy="0"/>
           </a:xfrm>
           <a:prstGeom prst="line">
@@ -6176,7 +6217,7 @@
         </p:nvCxnSpPr>
         <p:spPr>
           <a:xfrm>
-            <a:off x="970302" y="5806236"/>
+            <a:off x="2048331" y="4572348"/>
             <a:ext cx="637825" cy="0"/>
           </a:xfrm>
           <a:prstGeom prst="line">
@@ -6212,7 +6253,7 @@
         </p:nvCxnSpPr>
         <p:spPr>
           <a:xfrm>
-            <a:off x="3796074" y="5621570"/>
+            <a:off x="4874103" y="4387682"/>
             <a:ext cx="637825" cy="0"/>
           </a:xfrm>
           <a:prstGeom prst="line">
@@ -6248,7 +6289,7 @@
         </p:nvCxnSpPr>
         <p:spPr>
           <a:xfrm>
-            <a:off x="6621483" y="5621570"/>
+            <a:off x="7699512" y="4387682"/>
             <a:ext cx="637825" cy="0"/>
           </a:xfrm>
           <a:prstGeom prst="line">
@@ -6259,6 +6300,107 @@
               <a:srgbClr val="B4B577"/>
             </a:solidFill>
             <a:prstDash val="sysDash"/>
+          </a:ln>
+        </p:spPr>
+        <p:style>
+          <a:lnRef idx="1">
+            <a:schemeClr val="accent1"/>
+          </a:lnRef>
+          <a:fillRef idx="0">
+            <a:schemeClr val="accent1"/>
+          </a:fillRef>
+          <a:effectRef idx="0">
+            <a:schemeClr val="accent1"/>
+          </a:effectRef>
+          <a:fontRef idx="minor">
+            <a:schemeClr val="tx1"/>
+          </a:fontRef>
+        </p:style>
+      </p:cxnSp>
+      <p:cxnSp>
+        <p:nvCxnSpPr>
+          <p:cNvPr id="15" name="구부러진 연결선 14"/>
+          <p:cNvCxnSpPr/>
+          <p:nvPr/>
+        </p:nvCxnSpPr>
+        <p:spPr>
+          <a:xfrm rot="5400000">
+            <a:off x="3097927" y="3237496"/>
+            <a:ext cx="2012297" cy="843222"/>
+          </a:xfrm>
+          <a:prstGeom prst="curvedConnector3">
+            <a:avLst/>
+          </a:prstGeom>
+          <a:ln>
+            <a:tailEnd type="triangle"/>
+          </a:ln>
+        </p:spPr>
+        <p:style>
+          <a:lnRef idx="1">
+            <a:schemeClr val="accent1"/>
+          </a:lnRef>
+          <a:fillRef idx="0">
+            <a:schemeClr val="accent1"/>
+          </a:fillRef>
+          <a:effectRef idx="0">
+            <a:schemeClr val="accent1"/>
+          </a:effectRef>
+          <a:fontRef idx="minor">
+            <a:schemeClr val="tx1"/>
+          </a:fontRef>
+        </p:style>
+      </p:cxnSp>
+      <p:cxnSp>
+        <p:nvCxnSpPr>
+          <p:cNvPr id="54" name="구부러진 연결선 53"/>
+          <p:cNvCxnSpPr/>
+          <p:nvPr/>
+        </p:nvCxnSpPr>
+        <p:spPr>
+          <a:xfrm rot="16200000" flipH="1">
+            <a:off x="5330350" y="3299682"/>
+            <a:ext cx="2004706" cy="726443"/>
+          </a:xfrm>
+          <a:prstGeom prst="curvedConnector3">
+            <a:avLst/>
+          </a:prstGeom>
+          <a:ln>
+            <a:tailEnd type="triangle"/>
+          </a:ln>
+        </p:spPr>
+        <p:style>
+          <a:lnRef idx="1">
+            <a:schemeClr val="accent1"/>
+          </a:lnRef>
+          <a:fillRef idx="0">
+            <a:schemeClr val="accent1"/>
+          </a:fillRef>
+          <a:effectRef idx="0">
+            <a:schemeClr val="accent1"/>
+          </a:effectRef>
+          <a:fontRef idx="minor">
+            <a:schemeClr val="tx1"/>
+          </a:fontRef>
+        </p:style>
+      </p:cxnSp>
+      <p:cxnSp>
+        <p:nvCxnSpPr>
+          <p:cNvPr id="55" name="구부러진 연결선 54"/>
+          <p:cNvCxnSpPr/>
+          <p:nvPr/>
+        </p:nvCxnSpPr>
+        <p:spPr>
+          <a:xfrm rot="16200000" flipH="1">
+            <a:off x="7538032" y="2685059"/>
+            <a:ext cx="1965120" cy="1916105"/>
+          </a:xfrm>
+          <a:prstGeom prst="curvedConnector3">
+            <a:avLst>
+              <a:gd name="adj1" fmla="val 43143"/>
+            </a:avLst>
+          </a:prstGeom>
+          <a:ln>
+            <a:tailEnd type="triangle"/>
           </a:ln>
         </p:spPr>
         <p:style>
@@ -6280,6 +6422,1691 @@
     <p:extLst>
       <p:ext uri="{BB962C8B-B14F-4D97-AF65-F5344CB8AC3E}">
         <p14:creationId xmlns:p14="http://schemas.microsoft.com/office/powerpoint/2010/main" val="2457097870"/>
+      </p:ext>
+    </p:extLst>
+  </p:cSld>
+  <p:clrMapOvr>
+    <a:masterClrMapping/>
+  </p:clrMapOvr>
+</p:sld>
+</file>
+
+<file path=ppt/slides/slide3.xml><?xml version="1.0" encoding="utf-8"?>
+<p:sld xmlns:a="http://schemas.openxmlformats.org/drawingml/2006/main" xmlns:r="http://schemas.openxmlformats.org/officeDocument/2006/relationships" xmlns:p="http://schemas.openxmlformats.org/presentationml/2006/main">
+  <p:cSld>
+    <p:spTree>
+      <p:nvGrpSpPr>
+        <p:cNvPr id="1" name=""/>
+        <p:cNvGrpSpPr/>
+        <p:nvPr/>
+      </p:nvGrpSpPr>
+      <p:grpSpPr>
+        <a:xfrm>
+          <a:off x="0" y="0"/>
+          <a:ext cx="0" cy="0"/>
+          <a:chOff x="0" y="0"/>
+          <a:chExt cx="0" cy="0"/>
+        </a:xfrm>
+      </p:grpSpPr>
+      <p:sp>
+        <p:nvSpPr>
+          <p:cNvPr id="4" name="직사각형 3"/>
+          <p:cNvSpPr/>
+          <p:nvPr/>
+        </p:nvSpPr>
+        <p:spPr>
+          <a:xfrm>
+            <a:off x="612372" y="1653360"/>
+            <a:ext cx="787803" cy="1199645"/>
+          </a:xfrm>
+          <a:prstGeom prst="rect">
+            <a:avLst/>
+          </a:prstGeom>
+          <a:solidFill>
+            <a:schemeClr val="bg2">
+              <a:lumMod val="90000"/>
+            </a:schemeClr>
+          </a:solidFill>
+          <a:ln>
+            <a:noFill/>
+          </a:ln>
+        </p:spPr>
+        <p:style>
+          <a:lnRef idx="2">
+            <a:schemeClr val="accent1">
+              <a:shade val="50000"/>
+            </a:schemeClr>
+          </a:lnRef>
+          <a:fillRef idx="1">
+            <a:schemeClr val="accent1"/>
+          </a:fillRef>
+          <a:effectRef idx="0">
+            <a:schemeClr val="accent1"/>
+          </a:effectRef>
+          <a:fontRef idx="minor">
+            <a:schemeClr val="lt1"/>
+          </a:fontRef>
+        </p:style>
+        <p:txBody>
+          <a:bodyPr rtlCol="0" anchor="ctr"/>
+          <a:lstStyle/>
+          <a:p>
+            <a:pPr algn="ctr"/>
+            <a:r>
+              <a:rPr lang="ko-KR" altLang="en-US" sz="1200" dirty="0" smtClean="0"/>
+              <a:t>단면</a:t>
+            </a:r>
+            <a:endParaRPr lang="en-US" altLang="ko-KR" sz="1200" dirty="0" smtClean="0"/>
+          </a:p>
+          <a:p>
+            <a:pPr algn="ctr"/>
+            <a:r>
+              <a:rPr lang="ko-KR" altLang="en-US" sz="1200" dirty="0" smtClean="0"/>
+              <a:t>정보</a:t>
+            </a:r>
+            <a:endParaRPr lang="en-US" altLang="ko-KR" sz="1200" dirty="0" smtClean="0"/>
+          </a:p>
+          <a:p>
+            <a:pPr algn="ctr"/>
+            <a:r>
+              <a:rPr lang="en-US" altLang="ko-KR" sz="1050" dirty="0" smtClean="0"/>
+              <a:t>(import </a:t>
+            </a:r>
+            <a:r>
+              <a:rPr lang="ko-KR" altLang="en-US" sz="1050" dirty="0" smtClean="0"/>
+              <a:t>혹은</a:t>
+            </a:r>
+            <a:endParaRPr lang="en-US" altLang="ko-KR" sz="1050" dirty="0" smtClean="0"/>
+          </a:p>
+          <a:p>
+            <a:pPr algn="ctr"/>
+            <a:r>
+              <a:rPr lang="ko-KR" altLang="en-US" sz="1050" dirty="0" smtClean="0"/>
+              <a:t>직접입력</a:t>
+            </a:r>
+            <a:r>
+              <a:rPr lang="en-US" altLang="ko-KR" sz="1050" dirty="0" smtClean="0"/>
+              <a:t>)</a:t>
+            </a:r>
+            <a:endParaRPr lang="ko-KR" altLang="en-US" sz="1050" dirty="0"/>
+          </a:p>
+        </p:txBody>
+      </p:sp>
+      <p:grpSp>
+        <p:nvGrpSpPr>
+          <p:cNvPr id="15" name="그룹 14"/>
+          <p:cNvGrpSpPr/>
+          <p:nvPr/>
+        </p:nvGrpSpPr>
+        <p:grpSpPr>
+          <a:xfrm>
+            <a:off x="3973817" y="4955013"/>
+            <a:ext cx="3677269" cy="1811042"/>
+            <a:chOff x="3973817" y="3186538"/>
+            <a:chExt cx="3677269" cy="1811042"/>
+          </a:xfrm>
+        </p:grpSpPr>
+        <p:sp>
+          <p:nvSpPr>
+            <p:cNvPr id="5" name="직사각형 4"/>
+            <p:cNvSpPr/>
+            <p:nvPr/>
+          </p:nvSpPr>
+          <p:spPr>
+            <a:xfrm>
+              <a:off x="3976814" y="3916075"/>
+              <a:ext cx="1211753" cy="276999"/>
+            </a:xfrm>
+            <a:prstGeom prst="rect">
+              <a:avLst/>
+            </a:prstGeom>
+            <a:solidFill>
+              <a:schemeClr val="tx2">
+                <a:lumMod val="20000"/>
+                <a:lumOff val="80000"/>
+              </a:schemeClr>
+            </a:solidFill>
+          </p:spPr>
+          <p:txBody>
+            <a:bodyPr wrap="square">
+              <a:spAutoFit/>
+            </a:bodyPr>
+            <a:lstStyle/>
+            <a:p>
+              <a:pPr algn="ctr"/>
+              <a:endParaRPr lang="ko-KR" altLang="en-US" sz="1200" dirty="0"/>
+            </a:p>
+          </p:txBody>
+        </p:sp>
+        <p:sp>
+          <p:nvSpPr>
+            <p:cNvPr id="6" name="직사각형 5"/>
+            <p:cNvSpPr/>
+            <p:nvPr/>
+          </p:nvSpPr>
+          <p:spPr>
+            <a:xfrm>
+              <a:off x="5185780" y="3187438"/>
+              <a:ext cx="210888" cy="1005636"/>
+            </a:xfrm>
+            <a:prstGeom prst="rect">
+              <a:avLst/>
+            </a:prstGeom>
+            <a:solidFill>
+              <a:schemeClr val="tx2">
+                <a:lumMod val="20000"/>
+                <a:lumOff val="80000"/>
+              </a:schemeClr>
+            </a:solidFill>
+          </p:spPr>
+          <p:txBody>
+            <a:bodyPr wrap="square">
+              <a:spAutoFit/>
+            </a:bodyPr>
+            <a:lstStyle/>
+            <a:p>
+              <a:pPr algn="ctr"/>
+              <a:endParaRPr lang="ko-KR" altLang="en-US" sz="1200" dirty="0"/>
+            </a:p>
+          </p:txBody>
+        </p:sp>
+        <p:sp>
+          <p:nvSpPr>
+            <p:cNvPr id="7" name="직사각형 6"/>
+            <p:cNvSpPr/>
+            <p:nvPr/>
+          </p:nvSpPr>
+          <p:spPr>
+            <a:xfrm>
+              <a:off x="5396668" y="3915625"/>
+              <a:ext cx="1502402" cy="276999"/>
+            </a:xfrm>
+            <a:prstGeom prst="rect">
+              <a:avLst/>
+            </a:prstGeom>
+            <a:solidFill>
+              <a:schemeClr val="accent2">
+                <a:lumMod val="20000"/>
+                <a:lumOff val="80000"/>
+              </a:schemeClr>
+            </a:solidFill>
+          </p:spPr>
+          <p:txBody>
+            <a:bodyPr wrap="square">
+              <a:spAutoFit/>
+            </a:bodyPr>
+            <a:lstStyle/>
+            <a:p>
+              <a:pPr algn="ctr"/>
+              <a:endParaRPr lang="ko-KR" altLang="en-US" sz="1200" dirty="0"/>
+            </a:p>
+          </p:txBody>
+        </p:sp>
+        <p:sp>
+          <p:nvSpPr>
+            <p:cNvPr id="8" name="직사각형 7"/>
+            <p:cNvSpPr/>
+            <p:nvPr/>
+          </p:nvSpPr>
+          <p:spPr>
+            <a:xfrm>
+              <a:off x="3973817" y="4192173"/>
+              <a:ext cx="3197945" cy="276999"/>
+            </a:xfrm>
+            <a:prstGeom prst="rect">
+              <a:avLst/>
+            </a:prstGeom>
+            <a:solidFill>
+              <a:schemeClr val="accent6">
+                <a:lumMod val="20000"/>
+                <a:lumOff val="80000"/>
+              </a:schemeClr>
+            </a:solidFill>
+          </p:spPr>
+          <p:txBody>
+            <a:bodyPr wrap="square">
+              <a:spAutoFit/>
+            </a:bodyPr>
+            <a:lstStyle/>
+            <a:p>
+              <a:pPr algn="ctr"/>
+              <a:endParaRPr lang="ko-KR" altLang="en-US" sz="1200" dirty="0">
+                <a:solidFill>
+                  <a:srgbClr val="FF0000"/>
+                </a:solidFill>
+              </a:endParaRPr>
+            </a:p>
+          </p:txBody>
+        </p:sp>
+        <p:sp>
+          <p:nvSpPr>
+            <p:cNvPr id="9" name="직사각형 8"/>
+            <p:cNvSpPr/>
+            <p:nvPr/>
+          </p:nvSpPr>
+          <p:spPr>
+            <a:xfrm>
+              <a:off x="6892176" y="3186538"/>
+              <a:ext cx="279587" cy="1005634"/>
+            </a:xfrm>
+            <a:prstGeom prst="rect">
+              <a:avLst/>
+            </a:prstGeom>
+            <a:solidFill>
+              <a:schemeClr val="accent6">
+                <a:lumMod val="20000"/>
+                <a:lumOff val="80000"/>
+              </a:schemeClr>
+            </a:solidFill>
+          </p:spPr>
+          <p:txBody>
+            <a:bodyPr wrap="square">
+              <a:spAutoFit/>
+            </a:bodyPr>
+            <a:lstStyle/>
+            <a:p>
+              <a:pPr algn="ctr"/>
+              <a:endParaRPr lang="ko-KR" altLang="en-US" sz="1200" dirty="0"/>
+            </a:p>
+          </p:txBody>
+        </p:sp>
+        <p:sp>
+          <p:nvSpPr>
+            <p:cNvPr id="10" name="직사각형 9"/>
+            <p:cNvSpPr/>
+            <p:nvPr/>
+          </p:nvSpPr>
+          <p:spPr>
+            <a:xfrm>
+              <a:off x="3973817" y="4450218"/>
+              <a:ext cx="3270971" cy="276999"/>
+            </a:xfrm>
+            <a:prstGeom prst="rect">
+              <a:avLst/>
+            </a:prstGeom>
+            <a:solidFill>
+              <a:schemeClr val="accent1">
+                <a:lumMod val="20000"/>
+                <a:lumOff val="80000"/>
+              </a:schemeClr>
+            </a:solidFill>
+          </p:spPr>
+          <p:txBody>
+            <a:bodyPr wrap="square">
+              <a:spAutoFit/>
+            </a:bodyPr>
+            <a:lstStyle/>
+            <a:p>
+              <a:pPr algn="ctr"/>
+              <a:endParaRPr lang="ko-KR" altLang="en-US" sz="1200" dirty="0">
+                <a:solidFill>
+                  <a:srgbClr val="FF0000"/>
+                </a:solidFill>
+              </a:endParaRPr>
+            </a:p>
+          </p:txBody>
+        </p:sp>
+        <p:sp>
+          <p:nvSpPr>
+            <p:cNvPr id="11" name="직사각형 10"/>
+            <p:cNvSpPr/>
+            <p:nvPr/>
+          </p:nvSpPr>
+          <p:spPr>
+            <a:xfrm>
+              <a:off x="7174759" y="3364050"/>
+              <a:ext cx="238163" cy="1366458"/>
+            </a:xfrm>
+            <a:prstGeom prst="rect">
+              <a:avLst/>
+            </a:prstGeom>
+            <a:solidFill>
+              <a:schemeClr val="accent1">
+                <a:lumMod val="20000"/>
+                <a:lumOff val="80000"/>
+              </a:schemeClr>
+            </a:solidFill>
+            <a:ln>
+              <a:noFill/>
+            </a:ln>
+          </p:spPr>
+          <p:style>
+            <a:lnRef idx="2">
+              <a:schemeClr val="accent1">
+                <a:shade val="50000"/>
+              </a:schemeClr>
+            </a:lnRef>
+            <a:fillRef idx="1">
+              <a:schemeClr val="accent1"/>
+            </a:fillRef>
+            <a:effectRef idx="0">
+              <a:schemeClr val="accent1"/>
+            </a:effectRef>
+            <a:fontRef idx="minor">
+              <a:schemeClr val="lt1"/>
+            </a:fontRef>
+          </p:style>
+          <p:txBody>
+            <a:bodyPr rtlCol="0" anchor="ctr"/>
+            <a:lstStyle/>
+            <a:p>
+              <a:pPr algn="ctr"/>
+              <a:endParaRPr lang="ko-KR" altLang="en-US"/>
+            </a:p>
+          </p:txBody>
+        </p:sp>
+        <p:sp>
+          <p:nvSpPr>
+            <p:cNvPr id="13" name="직사각형 12"/>
+            <p:cNvSpPr/>
+            <p:nvPr/>
+          </p:nvSpPr>
+          <p:spPr>
+            <a:xfrm>
+              <a:off x="3973817" y="4720581"/>
+              <a:ext cx="3439106" cy="276999"/>
+            </a:xfrm>
+            <a:prstGeom prst="rect">
+              <a:avLst/>
+            </a:prstGeom>
+            <a:solidFill>
+              <a:schemeClr val="accent4">
+                <a:lumMod val="60000"/>
+                <a:lumOff val="40000"/>
+              </a:schemeClr>
+            </a:solidFill>
+          </p:spPr>
+          <p:txBody>
+            <a:bodyPr wrap="square">
+              <a:spAutoFit/>
+            </a:bodyPr>
+            <a:lstStyle/>
+            <a:p>
+              <a:pPr algn="ctr"/>
+              <a:r>
+                <a:rPr lang="en-US" altLang="ko-KR" sz="1200" dirty="0" smtClean="0"/>
+                <a:t>[ ]</a:t>
+              </a:r>
+              <a:r>
+                <a:rPr lang="en-US" altLang="ko-KR" sz="1200" dirty="0" smtClean="0"/>
+                <a:t>Checker</a:t>
+              </a:r>
+              <a:endParaRPr lang="ko-KR" altLang="en-US" sz="1200" dirty="0"/>
+            </a:p>
+          </p:txBody>
+        </p:sp>
+        <p:sp>
+          <p:nvSpPr>
+            <p:cNvPr id="14" name="직사각형 13"/>
+            <p:cNvSpPr/>
+            <p:nvPr/>
+          </p:nvSpPr>
+          <p:spPr>
+            <a:xfrm>
+              <a:off x="7412922" y="3631183"/>
+              <a:ext cx="238164" cy="1366397"/>
+            </a:xfrm>
+            <a:prstGeom prst="rect">
+              <a:avLst/>
+            </a:prstGeom>
+            <a:solidFill>
+              <a:schemeClr val="accent4">
+                <a:lumMod val="60000"/>
+                <a:lumOff val="40000"/>
+              </a:schemeClr>
+            </a:solidFill>
+            <a:ln>
+              <a:noFill/>
+            </a:ln>
+          </p:spPr>
+          <p:style>
+            <a:lnRef idx="2">
+              <a:schemeClr val="accent1">
+                <a:shade val="50000"/>
+              </a:schemeClr>
+            </a:lnRef>
+            <a:fillRef idx="1">
+              <a:schemeClr val="accent1"/>
+            </a:fillRef>
+            <a:effectRef idx="0">
+              <a:schemeClr val="accent1"/>
+            </a:effectRef>
+            <a:fontRef idx="minor">
+              <a:schemeClr val="lt1"/>
+            </a:fontRef>
+          </p:style>
+          <p:txBody>
+            <a:bodyPr rtlCol="0" anchor="ctr"/>
+            <a:lstStyle/>
+            <a:p>
+              <a:pPr algn="ctr"/>
+              <a:endParaRPr lang="ko-KR" altLang="en-US"/>
+            </a:p>
+          </p:txBody>
+        </p:sp>
+      </p:grpSp>
+      <p:sp>
+        <p:nvSpPr>
+          <p:cNvPr id="16" name="직사각형 15"/>
+          <p:cNvSpPr/>
+          <p:nvPr/>
+        </p:nvSpPr>
+        <p:spPr>
+          <a:xfrm>
+            <a:off x="1517247" y="1653360"/>
+            <a:ext cx="787803" cy="1199645"/>
+          </a:xfrm>
+          <a:prstGeom prst="rect">
+            <a:avLst/>
+          </a:prstGeom>
+          <a:solidFill>
+            <a:schemeClr val="bg2">
+              <a:lumMod val="90000"/>
+            </a:schemeClr>
+          </a:solidFill>
+          <a:ln>
+            <a:noFill/>
+          </a:ln>
+        </p:spPr>
+        <p:style>
+          <a:lnRef idx="2">
+            <a:schemeClr val="accent1">
+              <a:shade val="50000"/>
+            </a:schemeClr>
+          </a:lnRef>
+          <a:fillRef idx="1">
+            <a:schemeClr val="accent1"/>
+          </a:fillRef>
+          <a:effectRef idx="0">
+            <a:schemeClr val="accent1"/>
+          </a:effectRef>
+          <a:fontRef idx="minor">
+            <a:schemeClr val="lt1"/>
+          </a:fontRef>
+        </p:style>
+        <p:txBody>
+          <a:bodyPr rtlCol="0" anchor="ctr"/>
+          <a:lstStyle/>
+          <a:p>
+            <a:pPr algn="ctr"/>
+            <a:r>
+              <a:rPr lang="ko-KR" altLang="en-US" sz="1200" dirty="0" smtClean="0"/>
+              <a:t>단면</a:t>
+            </a:r>
+            <a:endParaRPr lang="en-US" altLang="ko-KR" sz="1200" dirty="0" smtClean="0"/>
+          </a:p>
+          <a:p>
+            <a:pPr algn="ctr"/>
+            <a:r>
+              <a:rPr lang="ko-KR" altLang="en-US" sz="1200" dirty="0" smtClean="0"/>
+              <a:t>정보</a:t>
+            </a:r>
+            <a:endParaRPr lang="en-US" altLang="ko-KR" sz="1200" dirty="0" smtClean="0"/>
+          </a:p>
+          <a:p>
+            <a:pPr algn="ctr"/>
+            <a:r>
+              <a:rPr lang="en-US" altLang="ko-KR" sz="1050" dirty="0" smtClean="0"/>
+              <a:t>(import </a:t>
+            </a:r>
+            <a:r>
+              <a:rPr lang="ko-KR" altLang="en-US" sz="1050" dirty="0" smtClean="0"/>
+              <a:t>혹은</a:t>
+            </a:r>
+            <a:endParaRPr lang="en-US" altLang="ko-KR" sz="1050" dirty="0" smtClean="0"/>
+          </a:p>
+          <a:p>
+            <a:pPr algn="ctr"/>
+            <a:r>
+              <a:rPr lang="ko-KR" altLang="en-US" sz="1050" dirty="0" smtClean="0"/>
+              <a:t>직접입력</a:t>
+            </a:r>
+            <a:r>
+              <a:rPr lang="en-US" altLang="ko-KR" sz="1050" dirty="0" smtClean="0"/>
+              <a:t>)</a:t>
+            </a:r>
+            <a:endParaRPr lang="ko-KR" altLang="en-US" sz="1050" dirty="0"/>
+          </a:p>
+        </p:txBody>
+      </p:sp>
+      <p:sp>
+        <p:nvSpPr>
+          <p:cNvPr id="17" name="직사각형 16"/>
+          <p:cNvSpPr/>
+          <p:nvPr/>
+        </p:nvSpPr>
+        <p:spPr>
+          <a:xfrm>
+            <a:off x="2422122" y="1653360"/>
+            <a:ext cx="787803" cy="1199645"/>
+          </a:xfrm>
+          <a:prstGeom prst="rect">
+            <a:avLst/>
+          </a:prstGeom>
+          <a:solidFill>
+            <a:schemeClr val="bg2">
+              <a:lumMod val="90000"/>
+            </a:schemeClr>
+          </a:solidFill>
+          <a:ln>
+            <a:noFill/>
+          </a:ln>
+        </p:spPr>
+        <p:style>
+          <a:lnRef idx="2">
+            <a:schemeClr val="accent1">
+              <a:shade val="50000"/>
+            </a:schemeClr>
+          </a:lnRef>
+          <a:fillRef idx="1">
+            <a:schemeClr val="accent1"/>
+          </a:fillRef>
+          <a:effectRef idx="0">
+            <a:schemeClr val="accent1"/>
+          </a:effectRef>
+          <a:fontRef idx="minor">
+            <a:schemeClr val="lt1"/>
+          </a:fontRef>
+        </p:style>
+        <p:txBody>
+          <a:bodyPr rtlCol="0" anchor="ctr"/>
+          <a:lstStyle/>
+          <a:p>
+            <a:pPr algn="ctr"/>
+            <a:r>
+              <a:rPr lang="ko-KR" altLang="en-US" sz="1200" dirty="0" smtClean="0"/>
+              <a:t>단면</a:t>
+            </a:r>
+            <a:endParaRPr lang="en-US" altLang="ko-KR" sz="1200" dirty="0" smtClean="0"/>
+          </a:p>
+          <a:p>
+            <a:pPr algn="ctr"/>
+            <a:r>
+              <a:rPr lang="ko-KR" altLang="en-US" sz="1200" dirty="0" smtClean="0"/>
+              <a:t>정보</a:t>
+            </a:r>
+            <a:endParaRPr lang="en-US" altLang="ko-KR" sz="1200" dirty="0" smtClean="0"/>
+          </a:p>
+          <a:p>
+            <a:pPr algn="ctr"/>
+            <a:r>
+              <a:rPr lang="en-US" altLang="ko-KR" sz="1050" dirty="0" smtClean="0"/>
+              <a:t>(import </a:t>
+            </a:r>
+            <a:r>
+              <a:rPr lang="ko-KR" altLang="en-US" sz="1050" dirty="0" smtClean="0"/>
+              <a:t>혹은</a:t>
+            </a:r>
+            <a:endParaRPr lang="en-US" altLang="ko-KR" sz="1050" dirty="0" smtClean="0"/>
+          </a:p>
+          <a:p>
+            <a:pPr algn="ctr"/>
+            <a:r>
+              <a:rPr lang="ko-KR" altLang="en-US" sz="1050" dirty="0" smtClean="0"/>
+              <a:t>직접입력</a:t>
+            </a:r>
+            <a:r>
+              <a:rPr lang="en-US" altLang="ko-KR" sz="1050" dirty="0" smtClean="0"/>
+              <a:t>)</a:t>
+            </a:r>
+            <a:endParaRPr lang="ko-KR" altLang="en-US" sz="1050" dirty="0"/>
+          </a:p>
+        </p:txBody>
+      </p:sp>
+      <p:sp>
+        <p:nvSpPr>
+          <p:cNvPr id="18" name="직사각형 17"/>
+          <p:cNvSpPr/>
+          <p:nvPr/>
+        </p:nvSpPr>
+        <p:spPr>
+          <a:xfrm>
+            <a:off x="3326997" y="1653360"/>
+            <a:ext cx="787803" cy="1199645"/>
+          </a:xfrm>
+          <a:prstGeom prst="rect">
+            <a:avLst/>
+          </a:prstGeom>
+          <a:solidFill>
+            <a:schemeClr val="bg2">
+              <a:lumMod val="90000"/>
+            </a:schemeClr>
+          </a:solidFill>
+          <a:ln>
+            <a:noFill/>
+          </a:ln>
+        </p:spPr>
+        <p:style>
+          <a:lnRef idx="2">
+            <a:schemeClr val="accent1">
+              <a:shade val="50000"/>
+            </a:schemeClr>
+          </a:lnRef>
+          <a:fillRef idx="1">
+            <a:schemeClr val="accent1"/>
+          </a:fillRef>
+          <a:effectRef idx="0">
+            <a:schemeClr val="accent1"/>
+          </a:effectRef>
+          <a:fontRef idx="minor">
+            <a:schemeClr val="lt1"/>
+          </a:fontRef>
+        </p:style>
+        <p:txBody>
+          <a:bodyPr rtlCol="0" anchor="ctr"/>
+          <a:lstStyle/>
+          <a:p>
+            <a:pPr algn="ctr"/>
+            <a:r>
+              <a:rPr lang="ko-KR" altLang="en-US" sz="1200" dirty="0" smtClean="0"/>
+              <a:t>단면</a:t>
+            </a:r>
+            <a:endParaRPr lang="en-US" altLang="ko-KR" sz="1200" dirty="0" smtClean="0"/>
+          </a:p>
+          <a:p>
+            <a:pPr algn="ctr"/>
+            <a:r>
+              <a:rPr lang="ko-KR" altLang="en-US" sz="1200" dirty="0" smtClean="0"/>
+              <a:t>정보</a:t>
+            </a:r>
+            <a:endParaRPr lang="en-US" altLang="ko-KR" sz="1200" dirty="0" smtClean="0"/>
+          </a:p>
+          <a:p>
+            <a:pPr algn="ctr"/>
+            <a:r>
+              <a:rPr lang="en-US" altLang="ko-KR" sz="1050" dirty="0" smtClean="0"/>
+              <a:t>(import </a:t>
+            </a:r>
+            <a:r>
+              <a:rPr lang="ko-KR" altLang="en-US" sz="1050" dirty="0" smtClean="0"/>
+              <a:t>혹은</a:t>
+            </a:r>
+            <a:endParaRPr lang="en-US" altLang="ko-KR" sz="1050" dirty="0" smtClean="0"/>
+          </a:p>
+          <a:p>
+            <a:pPr algn="ctr"/>
+            <a:r>
+              <a:rPr lang="ko-KR" altLang="en-US" sz="1050" dirty="0" smtClean="0"/>
+              <a:t>직접입력</a:t>
+            </a:r>
+            <a:r>
+              <a:rPr lang="en-US" altLang="ko-KR" sz="1050" dirty="0" smtClean="0"/>
+              <a:t>)</a:t>
+            </a:r>
+            <a:endParaRPr lang="ko-KR" altLang="en-US" sz="1050" dirty="0"/>
+          </a:p>
+        </p:txBody>
+      </p:sp>
+      <p:sp>
+        <p:nvSpPr>
+          <p:cNvPr id="19" name="직사각형 18"/>
+          <p:cNvSpPr/>
+          <p:nvPr/>
+        </p:nvSpPr>
+        <p:spPr>
+          <a:xfrm>
+            <a:off x="4231872" y="1653360"/>
+            <a:ext cx="787803" cy="1199645"/>
+          </a:xfrm>
+          <a:prstGeom prst="rect">
+            <a:avLst/>
+          </a:prstGeom>
+          <a:solidFill>
+            <a:schemeClr val="bg2">
+              <a:lumMod val="90000"/>
+            </a:schemeClr>
+          </a:solidFill>
+          <a:ln>
+            <a:noFill/>
+          </a:ln>
+        </p:spPr>
+        <p:style>
+          <a:lnRef idx="2">
+            <a:schemeClr val="accent1">
+              <a:shade val="50000"/>
+            </a:schemeClr>
+          </a:lnRef>
+          <a:fillRef idx="1">
+            <a:schemeClr val="accent1"/>
+          </a:fillRef>
+          <a:effectRef idx="0">
+            <a:schemeClr val="accent1"/>
+          </a:effectRef>
+          <a:fontRef idx="minor">
+            <a:schemeClr val="lt1"/>
+          </a:fontRef>
+        </p:style>
+        <p:txBody>
+          <a:bodyPr rtlCol="0" anchor="ctr"/>
+          <a:lstStyle/>
+          <a:p>
+            <a:pPr algn="ctr"/>
+            <a:r>
+              <a:rPr lang="ko-KR" altLang="en-US" sz="1200" dirty="0" smtClean="0"/>
+              <a:t>단면</a:t>
+            </a:r>
+            <a:endParaRPr lang="en-US" altLang="ko-KR" sz="1200" dirty="0" smtClean="0"/>
+          </a:p>
+          <a:p>
+            <a:pPr algn="ctr"/>
+            <a:r>
+              <a:rPr lang="ko-KR" altLang="en-US" sz="1200" dirty="0" smtClean="0"/>
+              <a:t>정보</a:t>
+            </a:r>
+            <a:endParaRPr lang="en-US" altLang="ko-KR" sz="1200" dirty="0" smtClean="0"/>
+          </a:p>
+          <a:p>
+            <a:pPr algn="ctr"/>
+            <a:r>
+              <a:rPr lang="en-US" altLang="ko-KR" sz="1050" dirty="0" smtClean="0"/>
+              <a:t>(import </a:t>
+            </a:r>
+            <a:r>
+              <a:rPr lang="ko-KR" altLang="en-US" sz="1050" dirty="0" smtClean="0"/>
+              <a:t>혹은</a:t>
+            </a:r>
+            <a:endParaRPr lang="en-US" altLang="ko-KR" sz="1050" dirty="0" smtClean="0"/>
+          </a:p>
+          <a:p>
+            <a:pPr algn="ctr"/>
+            <a:r>
+              <a:rPr lang="ko-KR" altLang="en-US" sz="1050" dirty="0" smtClean="0"/>
+              <a:t>직접입력</a:t>
+            </a:r>
+            <a:r>
+              <a:rPr lang="en-US" altLang="ko-KR" sz="1050" dirty="0" smtClean="0"/>
+              <a:t>)</a:t>
+            </a:r>
+            <a:endParaRPr lang="ko-KR" altLang="en-US" sz="1050" dirty="0"/>
+          </a:p>
+        </p:txBody>
+      </p:sp>
+      <p:sp>
+        <p:nvSpPr>
+          <p:cNvPr id="20" name="직사각형 19"/>
+          <p:cNvSpPr/>
+          <p:nvPr/>
+        </p:nvSpPr>
+        <p:spPr>
+          <a:xfrm>
+            <a:off x="5136747" y="1653360"/>
+            <a:ext cx="787803" cy="1199645"/>
+          </a:xfrm>
+          <a:prstGeom prst="rect">
+            <a:avLst/>
+          </a:prstGeom>
+          <a:solidFill>
+            <a:schemeClr val="bg2">
+              <a:lumMod val="90000"/>
+            </a:schemeClr>
+          </a:solidFill>
+          <a:ln>
+            <a:noFill/>
+          </a:ln>
+        </p:spPr>
+        <p:style>
+          <a:lnRef idx="2">
+            <a:schemeClr val="accent1">
+              <a:shade val="50000"/>
+            </a:schemeClr>
+          </a:lnRef>
+          <a:fillRef idx="1">
+            <a:schemeClr val="accent1"/>
+          </a:fillRef>
+          <a:effectRef idx="0">
+            <a:schemeClr val="accent1"/>
+          </a:effectRef>
+          <a:fontRef idx="minor">
+            <a:schemeClr val="lt1"/>
+          </a:fontRef>
+        </p:style>
+        <p:txBody>
+          <a:bodyPr rtlCol="0" anchor="ctr"/>
+          <a:lstStyle/>
+          <a:p>
+            <a:pPr algn="ctr"/>
+            <a:r>
+              <a:rPr lang="ko-KR" altLang="en-US" sz="1200" dirty="0" smtClean="0"/>
+              <a:t>단면</a:t>
+            </a:r>
+            <a:endParaRPr lang="en-US" altLang="ko-KR" sz="1200" dirty="0" smtClean="0"/>
+          </a:p>
+          <a:p>
+            <a:pPr algn="ctr"/>
+            <a:r>
+              <a:rPr lang="ko-KR" altLang="en-US" sz="1200" dirty="0" smtClean="0"/>
+              <a:t>정보</a:t>
+            </a:r>
+            <a:endParaRPr lang="en-US" altLang="ko-KR" sz="1200" dirty="0" smtClean="0"/>
+          </a:p>
+          <a:p>
+            <a:pPr algn="ctr"/>
+            <a:r>
+              <a:rPr lang="en-US" altLang="ko-KR" sz="1050" dirty="0" smtClean="0"/>
+              <a:t>(import </a:t>
+            </a:r>
+            <a:r>
+              <a:rPr lang="ko-KR" altLang="en-US" sz="1050" dirty="0" smtClean="0"/>
+              <a:t>혹은</a:t>
+            </a:r>
+            <a:endParaRPr lang="en-US" altLang="ko-KR" sz="1050" dirty="0" smtClean="0"/>
+          </a:p>
+          <a:p>
+            <a:pPr algn="ctr"/>
+            <a:r>
+              <a:rPr lang="ko-KR" altLang="en-US" sz="1050" dirty="0" smtClean="0"/>
+              <a:t>직접입력</a:t>
+            </a:r>
+            <a:r>
+              <a:rPr lang="en-US" altLang="ko-KR" sz="1050" dirty="0" smtClean="0"/>
+              <a:t>)</a:t>
+            </a:r>
+            <a:endParaRPr lang="ko-KR" altLang="en-US" sz="1050" dirty="0"/>
+          </a:p>
+        </p:txBody>
+      </p:sp>
+      <p:sp>
+        <p:nvSpPr>
+          <p:cNvPr id="21" name="직사각형 20"/>
+          <p:cNvSpPr/>
+          <p:nvPr/>
+        </p:nvSpPr>
+        <p:spPr>
+          <a:xfrm>
+            <a:off x="6057295" y="1653360"/>
+            <a:ext cx="787803" cy="1199645"/>
+          </a:xfrm>
+          <a:prstGeom prst="rect">
+            <a:avLst/>
+          </a:prstGeom>
+          <a:solidFill>
+            <a:schemeClr val="bg2">
+              <a:lumMod val="90000"/>
+            </a:schemeClr>
+          </a:solidFill>
+          <a:ln>
+            <a:noFill/>
+          </a:ln>
+        </p:spPr>
+        <p:style>
+          <a:lnRef idx="2">
+            <a:schemeClr val="accent1">
+              <a:shade val="50000"/>
+            </a:schemeClr>
+          </a:lnRef>
+          <a:fillRef idx="1">
+            <a:schemeClr val="accent1"/>
+          </a:fillRef>
+          <a:effectRef idx="0">
+            <a:schemeClr val="accent1"/>
+          </a:effectRef>
+          <a:fontRef idx="minor">
+            <a:schemeClr val="lt1"/>
+          </a:fontRef>
+        </p:style>
+        <p:txBody>
+          <a:bodyPr rtlCol="0" anchor="ctr"/>
+          <a:lstStyle/>
+          <a:p>
+            <a:pPr algn="ctr"/>
+            <a:r>
+              <a:rPr lang="ko-KR" altLang="en-US" sz="1200" dirty="0" smtClean="0"/>
+              <a:t>단면</a:t>
+            </a:r>
+            <a:endParaRPr lang="en-US" altLang="ko-KR" sz="1200" dirty="0" smtClean="0"/>
+          </a:p>
+          <a:p>
+            <a:pPr algn="ctr"/>
+            <a:r>
+              <a:rPr lang="ko-KR" altLang="en-US" sz="1200" dirty="0" smtClean="0"/>
+              <a:t>정보</a:t>
+            </a:r>
+            <a:endParaRPr lang="en-US" altLang="ko-KR" sz="1200" dirty="0" smtClean="0"/>
+          </a:p>
+          <a:p>
+            <a:pPr algn="ctr"/>
+            <a:r>
+              <a:rPr lang="en-US" altLang="ko-KR" sz="1050" dirty="0" smtClean="0"/>
+              <a:t>(import </a:t>
+            </a:r>
+            <a:r>
+              <a:rPr lang="ko-KR" altLang="en-US" sz="1050" dirty="0" smtClean="0"/>
+              <a:t>혹은</a:t>
+            </a:r>
+            <a:endParaRPr lang="en-US" altLang="ko-KR" sz="1050" dirty="0" smtClean="0"/>
+          </a:p>
+          <a:p>
+            <a:pPr algn="ctr"/>
+            <a:r>
+              <a:rPr lang="ko-KR" altLang="en-US" sz="1050" dirty="0" smtClean="0"/>
+              <a:t>직접입력</a:t>
+            </a:r>
+            <a:r>
+              <a:rPr lang="en-US" altLang="ko-KR" sz="1050" dirty="0" smtClean="0"/>
+              <a:t>)</a:t>
+            </a:r>
+            <a:endParaRPr lang="ko-KR" altLang="en-US" sz="1050" dirty="0"/>
+          </a:p>
+        </p:txBody>
+      </p:sp>
+      <p:sp>
+        <p:nvSpPr>
+          <p:cNvPr id="22" name="직사각형 21"/>
+          <p:cNvSpPr/>
+          <p:nvPr/>
+        </p:nvSpPr>
+        <p:spPr>
+          <a:xfrm>
+            <a:off x="6977843" y="1653360"/>
+            <a:ext cx="787803" cy="1199645"/>
+          </a:xfrm>
+          <a:prstGeom prst="rect">
+            <a:avLst/>
+          </a:prstGeom>
+          <a:solidFill>
+            <a:schemeClr val="bg2">
+              <a:lumMod val="90000"/>
+            </a:schemeClr>
+          </a:solidFill>
+          <a:ln>
+            <a:noFill/>
+          </a:ln>
+        </p:spPr>
+        <p:style>
+          <a:lnRef idx="2">
+            <a:schemeClr val="accent1">
+              <a:shade val="50000"/>
+            </a:schemeClr>
+          </a:lnRef>
+          <a:fillRef idx="1">
+            <a:schemeClr val="accent1"/>
+          </a:fillRef>
+          <a:effectRef idx="0">
+            <a:schemeClr val="accent1"/>
+          </a:effectRef>
+          <a:fontRef idx="minor">
+            <a:schemeClr val="lt1"/>
+          </a:fontRef>
+        </p:style>
+        <p:txBody>
+          <a:bodyPr rtlCol="0" anchor="ctr"/>
+          <a:lstStyle/>
+          <a:p>
+            <a:pPr algn="ctr"/>
+            <a:r>
+              <a:rPr lang="ko-KR" altLang="en-US" sz="1200" dirty="0" smtClean="0"/>
+              <a:t>단면</a:t>
+            </a:r>
+            <a:endParaRPr lang="en-US" altLang="ko-KR" sz="1200" dirty="0" smtClean="0"/>
+          </a:p>
+          <a:p>
+            <a:pPr algn="ctr"/>
+            <a:r>
+              <a:rPr lang="ko-KR" altLang="en-US" sz="1200" dirty="0" smtClean="0"/>
+              <a:t>정보</a:t>
+            </a:r>
+            <a:endParaRPr lang="en-US" altLang="ko-KR" sz="1200" dirty="0" smtClean="0"/>
+          </a:p>
+          <a:p>
+            <a:pPr algn="ctr"/>
+            <a:r>
+              <a:rPr lang="en-US" altLang="ko-KR" sz="1050" dirty="0" smtClean="0"/>
+              <a:t>(import </a:t>
+            </a:r>
+            <a:r>
+              <a:rPr lang="ko-KR" altLang="en-US" sz="1050" dirty="0" smtClean="0"/>
+              <a:t>혹은</a:t>
+            </a:r>
+            <a:endParaRPr lang="en-US" altLang="ko-KR" sz="1050" dirty="0" smtClean="0"/>
+          </a:p>
+          <a:p>
+            <a:pPr algn="ctr"/>
+            <a:r>
+              <a:rPr lang="ko-KR" altLang="en-US" sz="1050" dirty="0" smtClean="0"/>
+              <a:t>직접입력</a:t>
+            </a:r>
+            <a:r>
+              <a:rPr lang="en-US" altLang="ko-KR" sz="1050" dirty="0" smtClean="0"/>
+              <a:t>)</a:t>
+            </a:r>
+            <a:endParaRPr lang="ko-KR" altLang="en-US" sz="1050" dirty="0"/>
+          </a:p>
+        </p:txBody>
+      </p:sp>
+      <p:sp>
+        <p:nvSpPr>
+          <p:cNvPr id="23" name="직사각형 22"/>
+          <p:cNvSpPr/>
+          <p:nvPr/>
+        </p:nvSpPr>
+        <p:spPr>
+          <a:xfrm>
+            <a:off x="7898391" y="1653360"/>
+            <a:ext cx="787803" cy="1199645"/>
+          </a:xfrm>
+          <a:prstGeom prst="rect">
+            <a:avLst/>
+          </a:prstGeom>
+          <a:solidFill>
+            <a:schemeClr val="bg2">
+              <a:lumMod val="90000"/>
+            </a:schemeClr>
+          </a:solidFill>
+          <a:ln>
+            <a:noFill/>
+          </a:ln>
+        </p:spPr>
+        <p:style>
+          <a:lnRef idx="2">
+            <a:schemeClr val="accent1">
+              <a:shade val="50000"/>
+            </a:schemeClr>
+          </a:lnRef>
+          <a:fillRef idx="1">
+            <a:schemeClr val="accent1"/>
+          </a:fillRef>
+          <a:effectRef idx="0">
+            <a:schemeClr val="accent1"/>
+          </a:effectRef>
+          <a:fontRef idx="minor">
+            <a:schemeClr val="lt1"/>
+          </a:fontRef>
+        </p:style>
+        <p:txBody>
+          <a:bodyPr rtlCol="0" anchor="ctr"/>
+          <a:lstStyle/>
+          <a:p>
+            <a:pPr algn="ctr"/>
+            <a:r>
+              <a:rPr lang="ko-KR" altLang="en-US" sz="1200" dirty="0" smtClean="0"/>
+              <a:t>단면</a:t>
+            </a:r>
+            <a:endParaRPr lang="en-US" altLang="ko-KR" sz="1200" dirty="0" smtClean="0"/>
+          </a:p>
+          <a:p>
+            <a:pPr algn="ctr"/>
+            <a:r>
+              <a:rPr lang="ko-KR" altLang="en-US" sz="1200" dirty="0" smtClean="0"/>
+              <a:t>정보</a:t>
+            </a:r>
+            <a:endParaRPr lang="en-US" altLang="ko-KR" sz="1200" dirty="0" smtClean="0"/>
+          </a:p>
+          <a:p>
+            <a:pPr algn="ctr"/>
+            <a:r>
+              <a:rPr lang="en-US" altLang="ko-KR" sz="1050" dirty="0" smtClean="0"/>
+              <a:t>(import </a:t>
+            </a:r>
+            <a:r>
+              <a:rPr lang="ko-KR" altLang="en-US" sz="1050" dirty="0" smtClean="0"/>
+              <a:t>혹은</a:t>
+            </a:r>
+            <a:endParaRPr lang="en-US" altLang="ko-KR" sz="1050" dirty="0" smtClean="0"/>
+          </a:p>
+          <a:p>
+            <a:pPr algn="ctr"/>
+            <a:r>
+              <a:rPr lang="ko-KR" altLang="en-US" sz="1050" dirty="0" smtClean="0"/>
+              <a:t>직접입력</a:t>
+            </a:r>
+            <a:r>
+              <a:rPr lang="en-US" altLang="ko-KR" sz="1050" dirty="0" smtClean="0"/>
+              <a:t>)</a:t>
+            </a:r>
+            <a:endParaRPr lang="ko-KR" altLang="en-US" sz="1050" dirty="0"/>
+          </a:p>
+        </p:txBody>
+      </p:sp>
+      <p:sp>
+        <p:nvSpPr>
+          <p:cNvPr id="24" name="직사각형 23"/>
+          <p:cNvSpPr/>
+          <p:nvPr/>
+        </p:nvSpPr>
+        <p:spPr>
+          <a:xfrm>
+            <a:off x="8818939" y="1653360"/>
+            <a:ext cx="787803" cy="1199645"/>
+          </a:xfrm>
+          <a:prstGeom prst="rect">
+            <a:avLst/>
+          </a:prstGeom>
+          <a:solidFill>
+            <a:schemeClr val="bg2">
+              <a:lumMod val="90000"/>
+            </a:schemeClr>
+          </a:solidFill>
+          <a:ln>
+            <a:noFill/>
+          </a:ln>
+        </p:spPr>
+        <p:style>
+          <a:lnRef idx="2">
+            <a:schemeClr val="accent1">
+              <a:shade val="50000"/>
+            </a:schemeClr>
+          </a:lnRef>
+          <a:fillRef idx="1">
+            <a:schemeClr val="accent1"/>
+          </a:fillRef>
+          <a:effectRef idx="0">
+            <a:schemeClr val="accent1"/>
+          </a:effectRef>
+          <a:fontRef idx="minor">
+            <a:schemeClr val="lt1"/>
+          </a:fontRef>
+        </p:style>
+        <p:txBody>
+          <a:bodyPr rtlCol="0" anchor="ctr"/>
+          <a:lstStyle/>
+          <a:p>
+            <a:pPr algn="ctr"/>
+            <a:r>
+              <a:rPr lang="ko-KR" altLang="en-US" sz="1200" dirty="0" smtClean="0"/>
+              <a:t>단면</a:t>
+            </a:r>
+            <a:endParaRPr lang="en-US" altLang="ko-KR" sz="1200" dirty="0" smtClean="0"/>
+          </a:p>
+          <a:p>
+            <a:pPr algn="ctr"/>
+            <a:r>
+              <a:rPr lang="ko-KR" altLang="en-US" sz="1200" dirty="0" smtClean="0"/>
+              <a:t>정보</a:t>
+            </a:r>
+            <a:endParaRPr lang="en-US" altLang="ko-KR" sz="1200" dirty="0" smtClean="0"/>
+          </a:p>
+          <a:p>
+            <a:pPr algn="ctr"/>
+            <a:r>
+              <a:rPr lang="en-US" altLang="ko-KR" sz="1050" dirty="0" smtClean="0"/>
+              <a:t>(import </a:t>
+            </a:r>
+            <a:r>
+              <a:rPr lang="ko-KR" altLang="en-US" sz="1050" dirty="0" smtClean="0"/>
+              <a:t>혹은</a:t>
+            </a:r>
+            <a:endParaRPr lang="en-US" altLang="ko-KR" sz="1050" dirty="0" smtClean="0"/>
+          </a:p>
+          <a:p>
+            <a:pPr algn="ctr"/>
+            <a:r>
+              <a:rPr lang="ko-KR" altLang="en-US" sz="1050" dirty="0" smtClean="0"/>
+              <a:t>직접입력</a:t>
+            </a:r>
+            <a:r>
+              <a:rPr lang="en-US" altLang="ko-KR" sz="1050" dirty="0" smtClean="0"/>
+              <a:t>)</a:t>
+            </a:r>
+            <a:endParaRPr lang="ko-KR" altLang="en-US" sz="1050" dirty="0"/>
+          </a:p>
+        </p:txBody>
+      </p:sp>
+      <p:sp>
+        <p:nvSpPr>
+          <p:cNvPr id="26" name="원호 25"/>
+          <p:cNvSpPr/>
+          <p:nvPr/>
+        </p:nvSpPr>
+        <p:spPr>
+          <a:xfrm>
+            <a:off x="-2543174" y="2951781"/>
+            <a:ext cx="6775046" cy="5695950"/>
+          </a:xfrm>
+          <a:prstGeom prst="arc">
+            <a:avLst>
+              <a:gd name="adj1" fmla="val 16379280"/>
+              <a:gd name="adj2" fmla="val 21408827"/>
+            </a:avLst>
+          </a:prstGeom>
+        </p:spPr>
+        <p:style>
+          <a:lnRef idx="1">
+            <a:schemeClr val="accent1"/>
+          </a:lnRef>
+          <a:fillRef idx="0">
+            <a:schemeClr val="accent1"/>
+          </a:fillRef>
+          <a:effectRef idx="0">
+            <a:schemeClr val="accent1"/>
+          </a:effectRef>
+          <a:fontRef idx="minor">
+            <a:schemeClr val="tx1"/>
+          </a:fontRef>
+        </p:style>
+        <p:txBody>
+          <a:bodyPr rtlCol="0" anchor="ctr"/>
+          <a:lstStyle/>
+          <a:p>
+            <a:pPr algn="ctr"/>
+            <a:endParaRPr lang="ko-KR" altLang="en-US"/>
+          </a:p>
+        </p:txBody>
+      </p:sp>
+      <p:sp>
+        <p:nvSpPr>
+          <p:cNvPr id="27" name="원호 26"/>
+          <p:cNvSpPr/>
+          <p:nvPr/>
+        </p:nvSpPr>
+        <p:spPr>
+          <a:xfrm flipH="1">
+            <a:off x="4838996" y="2951781"/>
+            <a:ext cx="9210378" cy="6305550"/>
+          </a:xfrm>
+          <a:prstGeom prst="arc">
+            <a:avLst>
+              <a:gd name="adj1" fmla="val 16379280"/>
+              <a:gd name="adj2" fmla="val 21208320"/>
+            </a:avLst>
+          </a:prstGeom>
+        </p:spPr>
+        <p:style>
+          <a:lnRef idx="1">
+            <a:schemeClr val="accent1"/>
+          </a:lnRef>
+          <a:fillRef idx="0">
+            <a:schemeClr val="accent1"/>
+          </a:fillRef>
+          <a:effectRef idx="0">
+            <a:schemeClr val="accent1"/>
+          </a:effectRef>
+          <a:fontRef idx="minor">
+            <a:schemeClr val="tx1"/>
+          </a:fontRef>
+        </p:style>
+        <p:txBody>
+          <a:bodyPr rtlCol="0" anchor="ctr"/>
+          <a:lstStyle/>
+          <a:p>
+            <a:pPr algn="ctr"/>
+            <a:endParaRPr lang="ko-KR" altLang="en-US"/>
+          </a:p>
+        </p:txBody>
+      </p:sp>
+      <p:sp>
+        <p:nvSpPr>
+          <p:cNvPr id="28" name="TextBox 27"/>
+          <p:cNvSpPr txBox="1"/>
+          <p:nvPr/>
+        </p:nvSpPr>
+        <p:spPr>
+          <a:xfrm>
+            <a:off x="818147" y="664295"/>
+            <a:ext cx="10538462" cy="646331"/>
+          </a:xfrm>
+          <a:prstGeom prst="rect">
+            <a:avLst/>
+          </a:prstGeom>
+          <a:noFill/>
+        </p:spPr>
+        <p:txBody>
+          <a:bodyPr wrap="none" rtlCol="0">
+            <a:spAutoFit/>
+          </a:bodyPr>
+          <a:lstStyle/>
+          <a:p>
+            <a:r>
+              <a:rPr lang="ko-KR" altLang="en-US" dirty="0" smtClean="0"/>
+              <a:t>동시 여러 단면 검토를 위한 </a:t>
+            </a:r>
+            <a:r>
+              <a:rPr lang="en-US" altLang="ko-KR" dirty="0" smtClean="0"/>
+              <a:t>Union Handler </a:t>
+            </a:r>
+            <a:r>
+              <a:rPr lang="ko-KR" altLang="en-US" dirty="0" smtClean="0"/>
+              <a:t>조립 가능하도록 계산된 값들을 속성으로 할당하지 않고</a:t>
+            </a:r>
+            <a:endParaRPr lang="en-US" altLang="ko-KR" dirty="0"/>
+          </a:p>
+          <a:p>
+            <a:r>
+              <a:rPr lang="ko-KR" altLang="en-US" dirty="0" smtClean="0"/>
+              <a:t>내부에서 </a:t>
+            </a:r>
+            <a:r>
+              <a:rPr lang="ko-KR" altLang="en-US" dirty="0" err="1" smtClean="0"/>
+              <a:t>메소드</a:t>
+            </a:r>
+            <a:r>
+              <a:rPr lang="ko-KR" altLang="en-US" dirty="0" smtClean="0"/>
+              <a:t> 체인으로 </a:t>
+            </a:r>
+            <a:r>
+              <a:rPr lang="ko-KR" altLang="en-US" dirty="0" err="1" smtClean="0"/>
+              <a:t>함수값으로</a:t>
+            </a:r>
+            <a:r>
+              <a:rPr lang="ko-KR" altLang="en-US" dirty="0" smtClean="0"/>
+              <a:t> 연결되도록 수정 예정</a:t>
+            </a:r>
+            <a:r>
+              <a:rPr lang="en-US" altLang="ko-KR" dirty="0" smtClean="0"/>
+              <a:t>.</a:t>
+            </a:r>
+            <a:r>
+              <a:rPr lang="ko-KR" altLang="en-US" dirty="0" smtClean="0"/>
+              <a:t> </a:t>
+            </a:r>
+            <a:endParaRPr lang="ko-KR" altLang="en-US" dirty="0"/>
+          </a:p>
+        </p:txBody>
+      </p:sp>
+      <p:sp>
+        <p:nvSpPr>
+          <p:cNvPr id="29" name="TextBox 28"/>
+          <p:cNvSpPr txBox="1"/>
+          <p:nvPr/>
+        </p:nvSpPr>
+        <p:spPr>
+          <a:xfrm>
+            <a:off x="818147" y="116153"/>
+            <a:ext cx="814582" cy="369332"/>
+          </a:xfrm>
+          <a:prstGeom prst="rect">
+            <a:avLst/>
+          </a:prstGeom>
+          <a:noFill/>
+        </p:spPr>
+        <p:txBody>
+          <a:bodyPr wrap="none" rtlCol="0">
+            <a:spAutoFit/>
+          </a:bodyPr>
+          <a:lstStyle/>
+          <a:p>
+            <a:r>
+              <a:rPr lang="en-US" altLang="ko-KR" dirty="0" smtClean="0"/>
+              <a:t>To be.</a:t>
+            </a:r>
+            <a:endParaRPr lang="ko-KR" altLang="en-US" dirty="0"/>
+          </a:p>
+        </p:txBody>
+      </p:sp>
+      <p:sp>
+        <p:nvSpPr>
+          <p:cNvPr id="30" name="직사각형 29"/>
+          <p:cNvSpPr/>
+          <p:nvPr/>
+        </p:nvSpPr>
+        <p:spPr>
+          <a:xfrm>
+            <a:off x="9205220" y="5332982"/>
+            <a:ext cx="1941473" cy="276999"/>
+          </a:xfrm>
+          <a:prstGeom prst="rect">
+            <a:avLst/>
+          </a:prstGeom>
+          <a:solidFill>
+            <a:schemeClr val="accent2">
+              <a:lumMod val="60000"/>
+              <a:lumOff val="40000"/>
+            </a:schemeClr>
+          </a:solidFill>
+        </p:spPr>
+        <p:txBody>
+          <a:bodyPr wrap="square">
+            <a:spAutoFit/>
+          </a:bodyPr>
+          <a:lstStyle/>
+          <a:p>
+            <a:pPr algn="ctr"/>
+            <a:r>
+              <a:rPr lang="en-US" altLang="ko-KR" sz="1200" dirty="0" smtClean="0"/>
+              <a:t>[  Compression ]Checker</a:t>
+            </a:r>
+            <a:endParaRPr lang="ko-KR" altLang="en-US" sz="1200" dirty="0"/>
+          </a:p>
+        </p:txBody>
+      </p:sp>
+      <p:sp>
+        <p:nvSpPr>
+          <p:cNvPr id="31" name="직사각형 30"/>
+          <p:cNvSpPr/>
+          <p:nvPr/>
+        </p:nvSpPr>
+        <p:spPr>
+          <a:xfrm>
+            <a:off x="11146694" y="5165335"/>
+            <a:ext cx="238163" cy="444645"/>
+          </a:xfrm>
+          <a:prstGeom prst="rect">
+            <a:avLst/>
+          </a:prstGeom>
+          <a:solidFill>
+            <a:schemeClr val="accent2">
+              <a:lumMod val="60000"/>
+              <a:lumOff val="40000"/>
+            </a:schemeClr>
+          </a:solidFill>
+          <a:ln>
+            <a:noFill/>
+          </a:ln>
+        </p:spPr>
+        <p:style>
+          <a:lnRef idx="2">
+            <a:schemeClr val="accent1">
+              <a:shade val="50000"/>
+            </a:schemeClr>
+          </a:lnRef>
+          <a:fillRef idx="1">
+            <a:schemeClr val="accent1"/>
+          </a:fillRef>
+          <a:effectRef idx="0">
+            <a:schemeClr val="accent1"/>
+          </a:effectRef>
+          <a:fontRef idx="minor">
+            <a:schemeClr val="lt1"/>
+          </a:fontRef>
+        </p:style>
+        <p:txBody>
+          <a:bodyPr rtlCol="0" anchor="ctr"/>
+          <a:lstStyle/>
+          <a:p>
+            <a:pPr algn="ctr"/>
+            <a:endParaRPr lang="ko-KR" altLang="en-US"/>
+          </a:p>
+        </p:txBody>
+      </p:sp>
+      <p:sp>
+        <p:nvSpPr>
+          <p:cNvPr id="32" name="직사각형 31"/>
+          <p:cNvSpPr/>
+          <p:nvPr/>
+        </p:nvSpPr>
+        <p:spPr>
+          <a:xfrm>
+            <a:off x="9205220" y="5941694"/>
+            <a:ext cx="1941473" cy="276999"/>
+          </a:xfrm>
+          <a:prstGeom prst="rect">
+            <a:avLst/>
+          </a:prstGeom>
+          <a:solidFill>
+            <a:schemeClr val="accent6">
+              <a:lumMod val="60000"/>
+              <a:lumOff val="40000"/>
+            </a:schemeClr>
+          </a:solidFill>
+        </p:spPr>
+        <p:txBody>
+          <a:bodyPr wrap="square">
+            <a:spAutoFit/>
+          </a:bodyPr>
+          <a:lstStyle/>
+          <a:p>
+            <a:pPr algn="ctr"/>
+            <a:r>
+              <a:rPr lang="en-US" altLang="ko-KR" sz="1200" dirty="0" smtClean="0"/>
+              <a:t>[   Tension    ]Checker</a:t>
+            </a:r>
+            <a:endParaRPr lang="ko-KR" altLang="en-US" sz="1200" dirty="0"/>
+          </a:p>
+        </p:txBody>
+      </p:sp>
+      <p:sp>
+        <p:nvSpPr>
+          <p:cNvPr id="33" name="직사각형 32"/>
+          <p:cNvSpPr/>
+          <p:nvPr/>
+        </p:nvSpPr>
+        <p:spPr>
+          <a:xfrm>
+            <a:off x="11146694" y="5842535"/>
+            <a:ext cx="238163" cy="376158"/>
+          </a:xfrm>
+          <a:prstGeom prst="rect">
+            <a:avLst/>
+          </a:prstGeom>
+          <a:solidFill>
+            <a:schemeClr val="accent6">
+              <a:lumMod val="60000"/>
+              <a:lumOff val="40000"/>
+            </a:schemeClr>
+          </a:solidFill>
+          <a:ln>
+            <a:noFill/>
+          </a:ln>
+        </p:spPr>
+        <p:style>
+          <a:lnRef idx="2">
+            <a:schemeClr val="accent1">
+              <a:shade val="50000"/>
+            </a:schemeClr>
+          </a:lnRef>
+          <a:fillRef idx="1">
+            <a:schemeClr val="accent1"/>
+          </a:fillRef>
+          <a:effectRef idx="0">
+            <a:schemeClr val="accent1"/>
+          </a:effectRef>
+          <a:fontRef idx="minor">
+            <a:schemeClr val="lt1"/>
+          </a:fontRef>
+        </p:style>
+        <p:txBody>
+          <a:bodyPr rtlCol="0" anchor="ctr"/>
+          <a:lstStyle/>
+          <a:p>
+            <a:pPr algn="ctr"/>
+            <a:endParaRPr lang="ko-KR" altLang="en-US"/>
+          </a:p>
+        </p:txBody>
+      </p:sp>
+      <p:cxnSp>
+        <p:nvCxnSpPr>
+          <p:cNvPr id="35" name="직선 화살표 연결선 34"/>
+          <p:cNvCxnSpPr/>
+          <p:nvPr/>
+        </p:nvCxnSpPr>
+        <p:spPr>
+          <a:xfrm flipV="1">
+            <a:off x="7710572" y="5684101"/>
+            <a:ext cx="1524261" cy="943454"/>
+          </a:xfrm>
+          <a:prstGeom prst="straightConnector1">
+            <a:avLst/>
+          </a:prstGeom>
+          <a:ln>
+            <a:solidFill>
+              <a:srgbClr val="00B0F0"/>
+            </a:solidFill>
+            <a:prstDash val="lgDash"/>
+            <a:headEnd type="triangle"/>
+            <a:tailEnd type="triangle"/>
+          </a:ln>
+        </p:spPr>
+        <p:style>
+          <a:lnRef idx="1">
+            <a:schemeClr val="accent1"/>
+          </a:lnRef>
+          <a:fillRef idx="0">
+            <a:schemeClr val="accent1"/>
+          </a:fillRef>
+          <a:effectRef idx="0">
+            <a:schemeClr val="accent1"/>
+          </a:effectRef>
+          <a:fontRef idx="minor">
+            <a:schemeClr val="tx1"/>
+          </a:fontRef>
+        </p:style>
+      </p:cxnSp>
+      <p:sp>
+        <p:nvSpPr>
+          <p:cNvPr id="37" name="TextBox 36"/>
+          <p:cNvSpPr txBox="1"/>
+          <p:nvPr/>
+        </p:nvSpPr>
+        <p:spPr>
+          <a:xfrm>
+            <a:off x="2026531" y="6052981"/>
+            <a:ext cx="1709122" cy="369332"/>
+          </a:xfrm>
+          <a:prstGeom prst="rect">
+            <a:avLst/>
+          </a:prstGeom>
+          <a:noFill/>
+          <a:ln>
+            <a:solidFill>
+              <a:srgbClr val="0000FF"/>
+            </a:solidFill>
+          </a:ln>
+        </p:spPr>
+        <p:txBody>
+          <a:bodyPr wrap="none" rtlCol="0">
+            <a:spAutoFit/>
+          </a:bodyPr>
+          <a:lstStyle/>
+          <a:p>
+            <a:r>
+              <a:rPr lang="en-US" altLang="ko-KR" dirty="0" smtClean="0">
+                <a:solidFill>
+                  <a:srgbClr val="0000FF"/>
+                </a:solidFill>
+              </a:rPr>
+              <a:t>Union Handler</a:t>
+            </a:r>
+            <a:endParaRPr lang="ko-KR" altLang="en-US" dirty="0">
+              <a:solidFill>
+                <a:srgbClr val="0000FF"/>
+              </a:solidFill>
+            </a:endParaRPr>
+          </a:p>
+        </p:txBody>
+      </p:sp>
+      <p:sp>
+        <p:nvSpPr>
+          <p:cNvPr id="38" name="TextBox 37"/>
+          <p:cNvSpPr txBox="1"/>
+          <p:nvPr/>
+        </p:nvSpPr>
+        <p:spPr>
+          <a:xfrm rot="19668909">
+            <a:off x="7809083" y="5866290"/>
+            <a:ext cx="1130438" cy="261610"/>
+          </a:xfrm>
+          <a:prstGeom prst="rect">
+            <a:avLst/>
+          </a:prstGeom>
+          <a:noFill/>
+        </p:spPr>
+        <p:txBody>
+          <a:bodyPr wrap="none" rtlCol="0">
+            <a:spAutoFit/>
+          </a:bodyPr>
+          <a:lstStyle/>
+          <a:p>
+            <a:r>
+              <a:rPr lang="ko-KR" altLang="en-US" sz="1100" smtClean="0"/>
+              <a:t>교체 적용 가능</a:t>
+            </a:r>
+            <a:endParaRPr lang="ko-KR" altLang="en-US" sz="1100"/>
+          </a:p>
+        </p:txBody>
+      </p:sp>
+    </p:spTree>
+    <p:extLst>
+      <p:ext uri="{BB962C8B-B14F-4D97-AF65-F5344CB8AC3E}">
+        <p14:creationId xmlns:p14="http://schemas.microsoft.com/office/powerpoint/2010/main" val="2652495174"/>
       </p:ext>
     </p:extLst>
   </p:cSld>
